--- a/23_PerformanceMetrics.pptx
+++ b/23_PerformanceMetrics.pptx
@@ -3476,12 +3476,12 @@
               <a:t>23 Performance </a:t>
             </a:r>
             <a:r>
-              <a:rPr lang="en-US" altLang="zh-TW" sz="4800" b="1">
+              <a:rPr lang="en-US" altLang="zh-TW" sz="4800" b="1" dirty="0" err="1">
                 <a:solidFill>
                   <a:srgbClr val="FFFF00"/>
                 </a:solidFill>
               </a:rPr>
-              <a:t>Mertics</a:t>
+              <a:t>Mertrics</a:t>
             </a:r>
             <a:endParaRPr lang="zh-TW" altLang="en-US" sz="4800" b="1" dirty="0">
               <a:solidFill>
